--- a/编程入门之IDE的使用和递归思想.pptx
+++ b/编程入门之IDE的使用和递归思想.pptx
@@ -32,7 +32,7 @@
     <p:sldId id="278" r:id="rId26"/>
     <p:sldId id="266" r:id="rId27"/>
   </p:sldIdLst>
-  <p:sldSz cx="9144000" cy="6858000" type="screen4x3"/>
+  <p:sldSz cx="9144000" cy="5143500" type="screen16x9"/>
   <p:notesSz cx="6858000" cy="9144000"/>
   <p:defaultTextStyle>
     <a:defPPr>
@@ -158,7 +158,7 @@
         <p:grpSpPr>
           <a:xfrm>
             <a:off x="-382404" y="0"/>
-            <a:ext cx="9932332" cy="6858000"/>
+            <a:ext cx="9932332" cy="5143500"/>
             <a:chOff x="-382404" y="0"/>
             <a:chExt cx="9932332" cy="6858000"/>
           </a:xfrm>
@@ -2622,8 +2622,8 @@
         </p:nvSpPr>
         <p:spPr>
           <a:xfrm>
-            <a:off x="4561242" y="-21511"/>
-            <a:ext cx="3679116" cy="6271840"/>
+            <a:off x="4561242" y="-16133"/>
+            <a:ext cx="3679116" cy="4703880"/>
           </a:xfrm>
           <a:prstGeom prst="rect">
             <a:avLst/>
@@ -2672,8 +2672,8 @@
         </p:nvSpPr>
         <p:spPr>
           <a:xfrm>
-            <a:off x="4649096" y="-21511"/>
-            <a:ext cx="3505200" cy="2312889"/>
+            <a:off x="4649096" y="-16133"/>
+            <a:ext cx="3505200" cy="1734667"/>
           </a:xfrm>
           <a:prstGeom prst="rect">
             <a:avLst/>
@@ -2722,8 +2722,8 @@
         </p:nvSpPr>
         <p:spPr>
           <a:xfrm>
-            <a:off x="4733365" y="2708476"/>
-            <a:ext cx="3313355" cy="1702160"/>
+            <a:off x="4733366" y="2031357"/>
+            <a:ext cx="3313355" cy="1276620"/>
           </a:xfrm>
         </p:spPr>
         <p:txBody>
@@ -2756,8 +2756,8 @@
         </p:nvSpPr>
         <p:spPr>
           <a:xfrm>
-            <a:off x="4733365" y="4421080"/>
-            <a:ext cx="3309803" cy="1260629"/>
+            <a:off x="4733366" y="3315810"/>
+            <a:ext cx="3309803" cy="945472"/>
           </a:xfrm>
         </p:spPr>
         <p:txBody>
@@ -2875,8 +2875,8 @@
         </p:nvSpPr>
         <p:spPr>
           <a:xfrm>
-            <a:off x="4738744" y="1516828"/>
-            <a:ext cx="2133600" cy="750981"/>
+            <a:off x="4738744" y="1137621"/>
+            <a:ext cx="2133600" cy="563236"/>
           </a:xfrm>
         </p:spPr>
         <p:txBody>
@@ -2889,7 +2889,7 @@
           <a:p>
             <a:fld id="{530820CF-B880-4189-942D-D702A7CBA730}" type="datetimeFigureOut">
               <a:rPr lang="zh-CN" altLang="en-US" smtClean="0"/>
-              <a:t>2017/11/12</a:t>
+              <a:t>2018/6/20</a:t>
             </a:fld>
             <a:endParaRPr lang="zh-CN" altLang="en-US"/>
           </a:p>
@@ -2903,8 +2903,8 @@
         </p:nvSpPr>
         <p:spPr>
           <a:xfrm>
-            <a:off x="4650889" y="6088284"/>
-            <a:ext cx="3505200" cy="81740"/>
+            <a:off x="4650889" y="4566213"/>
+            <a:ext cx="3505200" cy="61305"/>
           </a:xfrm>
           <a:prstGeom prst="rect">
             <a:avLst/>
@@ -2953,8 +2953,8 @@
         </p:nvSpPr>
         <p:spPr>
           <a:xfrm>
-            <a:off x="5303520" y="5719966"/>
-            <a:ext cx="2831592" cy="365125"/>
+            <a:off x="5303520" y="4289975"/>
+            <a:ext cx="2831592" cy="273844"/>
           </a:xfrm>
         </p:spPr>
         <p:txBody>
@@ -2987,8 +2987,8 @@
         </p:nvSpPr>
         <p:spPr>
           <a:xfrm>
-            <a:off x="4649096" y="5719966"/>
-            <a:ext cx="643666" cy="365125"/>
+            <a:off x="4649096" y="4289975"/>
+            <a:ext cx="643666" cy="273844"/>
           </a:xfrm>
         </p:spPr>
         <p:txBody>
@@ -3019,8 +3019,8 @@
         </p:nvSpPr>
         <p:spPr>
           <a:xfrm>
-            <a:off x="4650889" y="6088284"/>
-            <a:ext cx="3505200" cy="81740"/>
+            <a:off x="4650889" y="4566213"/>
+            <a:ext cx="3505200" cy="61305"/>
           </a:xfrm>
           <a:prstGeom prst="rect">
             <a:avLst/>
@@ -3174,7 +3174,7 @@
           <a:p>
             <a:fld id="{530820CF-B880-4189-942D-D702A7CBA730}" type="datetimeFigureOut">
               <a:rPr lang="zh-CN" altLang="en-US" smtClean="0"/>
-              <a:t>2017/11/12</a:t>
+              <a:t>2018/6/20</a:t>
             </a:fld>
             <a:endParaRPr lang="zh-CN" altLang="en-US"/>
           </a:p>
@@ -3259,8 +3259,8 @@
         </p:nvSpPr>
         <p:spPr>
           <a:xfrm>
-            <a:off x="6629400" y="1030147"/>
-            <a:ext cx="1484453" cy="4780344"/>
+            <a:off x="6629401" y="772610"/>
+            <a:ext cx="1484453" cy="3585258"/>
           </a:xfrm>
         </p:spPr>
         <p:txBody>
@@ -3287,8 +3287,8 @@
         </p:nvSpPr>
         <p:spPr>
           <a:xfrm>
-            <a:off x="1053296" y="1030147"/>
-            <a:ext cx="5423704" cy="4780344"/>
+            <a:off x="1053296" y="772610"/>
+            <a:ext cx="5423704" cy="3585258"/>
           </a:xfrm>
         </p:spPr>
         <p:txBody>
@@ -3349,7 +3349,7 @@
           <a:p>
             <a:fld id="{530820CF-B880-4189-942D-D702A7CBA730}" type="datetimeFigureOut">
               <a:rPr lang="zh-CN" altLang="en-US" smtClean="0"/>
-              <a:t>2017/11/12</a:t>
+              <a:t>2018/6/20</a:t>
             </a:fld>
             <a:endParaRPr lang="zh-CN" altLang="en-US"/>
           </a:p>
@@ -3514,7 +3514,7 @@
           <a:p>
             <a:fld id="{530820CF-B880-4189-942D-D702A7CBA730}" type="datetimeFigureOut">
               <a:rPr lang="zh-CN" altLang="en-US" smtClean="0"/>
-              <a:t>2017/11/12</a:t>
+              <a:t>2018/6/20</a:t>
             </a:fld>
             <a:endParaRPr lang="zh-CN" altLang="en-US"/>
           </a:p>
@@ -3599,8 +3599,8 @@
         </p:nvSpPr>
         <p:spPr>
           <a:xfrm>
-            <a:off x="1258645" y="2900829"/>
-            <a:ext cx="6637468" cy="1362075"/>
+            <a:off x="1258645" y="2175622"/>
+            <a:ext cx="6637468" cy="1021556"/>
           </a:xfrm>
         </p:spPr>
         <p:txBody>
@@ -3631,8 +3631,8 @@
         </p:nvSpPr>
         <p:spPr>
           <a:xfrm>
-            <a:off x="1258645" y="4267200"/>
-            <a:ext cx="6637467" cy="1520413"/>
+            <a:off x="1258646" y="3200400"/>
+            <a:ext cx="6637467" cy="1140310"/>
           </a:xfrm>
         </p:spPr>
         <p:txBody>
@@ -3755,7 +3755,7 @@
           <a:p>
             <a:fld id="{530820CF-B880-4189-942D-D702A7CBA730}" type="datetimeFigureOut">
               <a:rPr lang="zh-CN" altLang="en-US" smtClean="0"/>
-              <a:t>2017/11/12</a:t>
+              <a:t>2018/6/20</a:t>
             </a:fld>
             <a:endParaRPr lang="zh-CN" altLang="en-US"/>
           </a:p>
@@ -3868,7 +3868,7 @@
           <a:p>
             <a:fld id="{530820CF-B880-4189-942D-D702A7CBA730}" type="datetimeFigureOut">
               <a:rPr lang="zh-CN" altLang="en-US" smtClean="0"/>
-              <a:t>2017/11/12</a:t>
+              <a:t>2018/6/20</a:t>
             </a:fld>
             <a:endParaRPr lang="zh-CN" altLang="en-US"/>
           </a:p>
@@ -3928,8 +3928,8 @@
         </p:nvSpPr>
         <p:spPr>
           <a:xfrm>
-            <a:off x="1042416" y="2313432"/>
-            <a:ext cx="3419856" cy="3493008"/>
+            <a:off x="1042416" y="1735074"/>
+            <a:ext cx="3419856" cy="2619756"/>
           </a:xfrm>
         </p:spPr>
         <p:txBody>
@@ -3985,8 +3985,8 @@
         </p:nvSpPr>
         <p:spPr>
           <a:xfrm>
-            <a:off x="4645152" y="2313431"/>
-            <a:ext cx="3419856" cy="3493008"/>
+            <a:off x="4645152" y="1735073"/>
+            <a:ext cx="3419856" cy="2619756"/>
           </a:xfrm>
         </p:spPr>
         <p:txBody>
@@ -4094,8 +4094,8 @@
         </p:nvSpPr>
         <p:spPr>
           <a:xfrm>
-            <a:off x="1412111" y="2316009"/>
-            <a:ext cx="3057148" cy="639762"/>
+            <a:off x="1412111" y="1737007"/>
+            <a:ext cx="3057148" cy="479822"/>
           </a:xfrm>
         </p:spPr>
         <p:txBody>
@@ -4163,8 +4163,8 @@
         </p:nvSpPr>
         <p:spPr>
           <a:xfrm>
-            <a:off x="1041721" y="2974694"/>
-            <a:ext cx="3419856" cy="2835797"/>
+            <a:off x="1041721" y="2231021"/>
+            <a:ext cx="3419856" cy="2126848"/>
           </a:xfrm>
         </p:spPr>
         <p:txBody>
@@ -4248,8 +4248,8 @@
         </p:nvSpPr>
         <p:spPr>
           <a:xfrm>
-            <a:off x="5011837" y="2316010"/>
-            <a:ext cx="3055717" cy="639762"/>
+            <a:off x="5011838" y="1737007"/>
+            <a:ext cx="3055717" cy="479822"/>
           </a:xfrm>
         </p:spPr>
         <p:txBody>
@@ -4317,8 +4317,8 @@
         </p:nvSpPr>
         <p:spPr>
           <a:xfrm>
-            <a:off x="4645152" y="2974694"/>
-            <a:ext cx="3419856" cy="2835797"/>
+            <a:off x="4645152" y="2231021"/>
+            <a:ext cx="3419856" cy="2126848"/>
           </a:xfrm>
         </p:spPr>
         <p:txBody>
@@ -4407,7 +4407,7 @@
           <a:p>
             <a:fld id="{530820CF-B880-4189-942D-D702A7CBA730}" type="datetimeFigureOut">
               <a:rPr lang="zh-CN" altLang="en-US" smtClean="0"/>
-              <a:t>2017/11/12</a:t>
+              <a:t>2018/6/20</a:t>
             </a:fld>
             <a:endParaRPr lang="zh-CN" altLang="en-US"/>
           </a:p>
@@ -4520,7 +4520,7 @@
           <a:p>
             <a:fld id="{530820CF-B880-4189-942D-D702A7CBA730}" type="datetimeFigureOut">
               <a:rPr lang="zh-CN" altLang="en-US" smtClean="0"/>
-              <a:t>2017/11/12</a:t>
+              <a:t>2018/6/20</a:t>
             </a:fld>
             <a:endParaRPr lang="zh-CN" altLang="en-US"/>
           </a:p>
@@ -4610,7 +4610,7 @@
           <a:p>
             <a:fld id="{530820CF-B880-4189-942D-D702A7CBA730}" type="datetimeFigureOut">
               <a:rPr lang="zh-CN" altLang="en-US" smtClean="0"/>
-              <a:t>2017/11/12</a:t>
+              <a:t>2018/6/20</a:t>
             </a:fld>
             <a:endParaRPr lang="zh-CN" altLang="en-US"/>
           </a:p>
@@ -4692,7 +4692,7 @@
         <p:grpSpPr>
           <a:xfrm>
             <a:off x="-382404" y="0"/>
-            <a:ext cx="9932332" cy="6858000"/>
+            <a:ext cx="9932332" cy="5143500"/>
             <a:chOff x="-382404" y="0"/>
             <a:chExt cx="9932332" cy="6858000"/>
           </a:xfrm>
@@ -7156,8 +7156,8 @@
         </p:nvSpPr>
         <p:spPr>
           <a:xfrm>
-            <a:off x="4561242" y="-21511"/>
-            <a:ext cx="3679116" cy="6271840"/>
+            <a:off x="4561242" y="-16133"/>
+            <a:ext cx="3679116" cy="4703880"/>
           </a:xfrm>
           <a:prstGeom prst="rect">
             <a:avLst/>
@@ -7206,8 +7206,8 @@
         </p:nvSpPr>
         <p:spPr>
           <a:xfrm>
-            <a:off x="4649096" y="-21510"/>
-            <a:ext cx="3505200" cy="623938"/>
+            <a:off x="4649096" y="-16133"/>
+            <a:ext cx="3505200" cy="467954"/>
           </a:xfrm>
           <a:prstGeom prst="rect">
             <a:avLst/>
@@ -7261,7 +7261,7 @@
           <a:p>
             <a:fld id="{530820CF-B880-4189-942D-D702A7CBA730}" type="datetimeFigureOut">
               <a:rPr lang="zh-CN" altLang="en-US" smtClean="0"/>
-              <a:t>2017/11/12</a:t>
+              <a:t>2018/6/20</a:t>
             </a:fld>
             <a:endParaRPr lang="zh-CN" altLang="en-US"/>
           </a:p>
@@ -7298,8 +7298,8 @@
         </p:nvSpPr>
         <p:spPr>
           <a:xfrm>
-            <a:off x="905571" y="601883"/>
-            <a:ext cx="3562257" cy="5648445"/>
+            <a:off x="905572" y="451413"/>
+            <a:ext cx="3562257" cy="4236334"/>
           </a:xfrm>
           <a:prstGeom prst="rect">
             <a:avLst/>
@@ -7350,8 +7350,8 @@
         </p:nvSpPr>
         <p:spPr>
           <a:xfrm>
-            <a:off x="1145894" y="856527"/>
-            <a:ext cx="3090440" cy="5150734"/>
+            <a:off x="1145894" y="642395"/>
+            <a:ext cx="3090440" cy="3863051"/>
           </a:xfrm>
         </p:spPr>
         <p:txBody>
@@ -7431,8 +7431,8 @@
         </p:nvSpPr>
         <p:spPr>
           <a:xfrm>
-            <a:off x="4650889" y="6088284"/>
-            <a:ext cx="3505200" cy="81740"/>
+            <a:off x="4650889" y="4566213"/>
+            <a:ext cx="3505200" cy="61305"/>
           </a:xfrm>
           <a:prstGeom prst="rect">
             <a:avLst/>
@@ -7481,8 +7481,8 @@
         </p:nvSpPr>
         <p:spPr>
           <a:xfrm>
-            <a:off x="4641448" y="5724835"/>
-            <a:ext cx="3493664" cy="365125"/>
+            <a:off x="4641448" y="4293627"/>
+            <a:ext cx="3493664" cy="273844"/>
           </a:xfrm>
         </p:spPr>
         <p:txBody>
@@ -7507,8 +7507,8 @@
         </p:nvSpPr>
         <p:spPr>
           <a:xfrm>
-            <a:off x="4739833" y="2657434"/>
-            <a:ext cx="3304572" cy="1463153"/>
+            <a:off x="4739833" y="1993076"/>
+            <a:ext cx="3304572" cy="1097365"/>
           </a:xfrm>
         </p:spPr>
         <p:txBody>
@@ -7541,8 +7541,8 @@
         </p:nvSpPr>
         <p:spPr>
           <a:xfrm>
-            <a:off x="4736592" y="4136994"/>
-            <a:ext cx="3298784" cy="1517904"/>
+            <a:off x="4736592" y="3102746"/>
+            <a:ext cx="3298784" cy="1138428"/>
           </a:xfrm>
         </p:spPr>
         <p:txBody>
@@ -7634,7 +7634,7 @@
         <p:grpSpPr>
           <a:xfrm>
             <a:off x="-382404" y="0"/>
-            <a:ext cx="9932332" cy="6858000"/>
+            <a:ext cx="9932332" cy="5143500"/>
             <a:chOff x="-382404" y="0"/>
             <a:chExt cx="9932332" cy="6858000"/>
           </a:xfrm>
@@ -10098,8 +10098,8 @@
         </p:nvSpPr>
         <p:spPr>
           <a:xfrm>
-            <a:off x="4561242" y="-21511"/>
-            <a:ext cx="3679116" cy="6271840"/>
+            <a:off x="4561242" y="-16133"/>
+            <a:ext cx="3679116" cy="4703880"/>
           </a:xfrm>
           <a:prstGeom prst="rect">
             <a:avLst/>
@@ -10148,8 +10148,8 @@
         </p:nvSpPr>
         <p:spPr>
           <a:xfrm>
-            <a:off x="4649096" y="-21510"/>
-            <a:ext cx="3505200" cy="623938"/>
+            <a:off x="4649096" y="-16133"/>
+            <a:ext cx="3505200" cy="467954"/>
           </a:xfrm>
           <a:prstGeom prst="rect">
             <a:avLst/>
@@ -10194,8 +10194,8 @@
         </p:nvSpPr>
         <p:spPr>
           <a:xfrm>
-            <a:off x="905571" y="601883"/>
-            <a:ext cx="3562257" cy="5648445"/>
+            <a:off x="905572" y="451413"/>
+            <a:ext cx="3562257" cy="4236334"/>
           </a:xfrm>
           <a:prstGeom prst="rect">
             <a:avLst/>
@@ -10244,8 +10244,8 @@
         </p:nvSpPr>
         <p:spPr>
           <a:xfrm>
-            <a:off x="4650889" y="6088284"/>
-            <a:ext cx="3505200" cy="81740"/>
+            <a:off x="4650889" y="4566213"/>
+            <a:ext cx="3505200" cy="61305"/>
           </a:xfrm>
           <a:prstGeom prst="rect">
             <a:avLst/>
@@ -10294,8 +10294,8 @@
         </p:nvSpPr>
         <p:spPr>
           <a:xfrm>
-            <a:off x="4734424" y="2660904"/>
-            <a:ext cx="3300984" cy="1463040"/>
+            <a:off x="4734424" y="1995678"/>
+            <a:ext cx="3300984" cy="1097280"/>
           </a:xfrm>
         </p:spPr>
         <p:txBody>
@@ -10328,8 +10328,8 @@
         </p:nvSpPr>
         <p:spPr>
           <a:xfrm>
-            <a:off x="1005208" y="693795"/>
-            <a:ext cx="3359623" cy="5468112"/>
+            <a:off x="1005209" y="520346"/>
+            <a:ext cx="3359623" cy="4101084"/>
           </a:xfrm>
         </p:spPr>
         <p:txBody>
@@ -10397,8 +10397,8 @@
         </p:nvSpPr>
         <p:spPr>
           <a:xfrm>
-            <a:off x="4734630" y="4133088"/>
-            <a:ext cx="3300573" cy="1519561"/>
+            <a:off x="4734631" y="3099816"/>
+            <a:ext cx="3300573" cy="1139671"/>
           </a:xfrm>
         </p:spPr>
         <p:txBody>
@@ -10473,7 +10473,7 @@
           <a:p>
             <a:fld id="{530820CF-B880-4189-942D-D702A7CBA730}" type="datetimeFigureOut">
               <a:rPr lang="zh-CN" altLang="en-US" smtClean="0"/>
-              <a:t>2017/11/12</a:t>
+              <a:t>2018/6/20</a:t>
             </a:fld>
             <a:endParaRPr lang="zh-CN" altLang="en-US"/>
           </a:p>
@@ -10491,8 +10491,8 @@
         </p:nvSpPr>
         <p:spPr>
           <a:xfrm>
-            <a:off x="4641448" y="5724835"/>
-            <a:ext cx="3493664" cy="365125"/>
+            <a:off x="4641448" y="4293627"/>
+            <a:ext cx="3493664" cy="273844"/>
           </a:xfrm>
         </p:spPr>
         <p:txBody>
@@ -10567,7 +10567,7 @@
         <p:grpSpPr>
           <a:xfrm>
             <a:off x="-304800" y="0"/>
-            <a:ext cx="9932332" cy="6858000"/>
+            <a:ext cx="9932332" cy="5143500"/>
             <a:chOff x="-382404" y="0"/>
             <a:chExt cx="9932332" cy="6858000"/>
           </a:xfrm>
@@ -13031,8 +13031,8 @@
         </p:nvSpPr>
         <p:spPr>
           <a:xfrm>
-            <a:off x="457200" y="333487"/>
-            <a:ext cx="8229600" cy="6185647"/>
+            <a:off x="457200" y="250116"/>
+            <a:ext cx="8229600" cy="4639235"/>
           </a:xfrm>
           <a:prstGeom prst="rect">
             <a:avLst/>
@@ -13079,8 +13079,8 @@
         </p:nvSpPr>
         <p:spPr>
           <a:xfrm>
-            <a:off x="4561242" y="-21511"/>
-            <a:ext cx="3679116" cy="699244"/>
+            <a:off x="4561242" y="-16133"/>
+            <a:ext cx="3679116" cy="524433"/>
           </a:xfrm>
           <a:prstGeom prst="rect">
             <a:avLst/>
@@ -13129,8 +13129,8 @@
         </p:nvSpPr>
         <p:spPr>
           <a:xfrm>
-            <a:off x="4649096" y="-21510"/>
-            <a:ext cx="3505200" cy="623938"/>
+            <a:off x="4649096" y="-16133"/>
+            <a:ext cx="3505200" cy="467954"/>
           </a:xfrm>
           <a:prstGeom prst="rect">
             <a:avLst/>
@@ -13179,8 +13179,8 @@
         </p:nvSpPr>
         <p:spPr>
           <a:xfrm>
-            <a:off x="1043490" y="1027664"/>
-            <a:ext cx="7024744" cy="1143000"/>
+            <a:off x="1043490" y="770748"/>
+            <a:ext cx="7024744" cy="857250"/>
           </a:xfrm>
           <a:prstGeom prst="rect">
             <a:avLst/>
@@ -13212,8 +13212,8 @@
         </p:nvSpPr>
         <p:spPr>
           <a:xfrm>
-            <a:off x="1043492" y="2323652"/>
-            <a:ext cx="6777317" cy="3508977"/>
+            <a:off x="1043492" y="1742739"/>
+            <a:ext cx="6777317" cy="2631733"/>
           </a:xfrm>
           <a:prstGeom prst="rect">
             <a:avLst/>
@@ -13274,8 +13274,8 @@
         </p:nvSpPr>
         <p:spPr>
           <a:xfrm>
-            <a:off x="5997388" y="224492"/>
-            <a:ext cx="2133600" cy="365125"/>
+            <a:off x="5997388" y="168369"/>
+            <a:ext cx="2133600" cy="273844"/>
           </a:xfrm>
           <a:prstGeom prst="rect">
             <a:avLst/>
@@ -13295,7 +13295,7 @@
           <a:p>
             <a:fld id="{530820CF-B880-4189-942D-D702A7CBA730}" type="datetimeFigureOut">
               <a:rPr lang="zh-CN" altLang="en-US" smtClean="0"/>
-              <a:t>2017/11/12</a:t>
+              <a:t>2018/6/20</a:t>
             </a:fld>
             <a:endParaRPr lang="zh-CN" altLang="en-US"/>
           </a:p>
@@ -13313,8 +13313,8 @@
         </p:nvSpPr>
         <p:spPr>
           <a:xfrm>
-            <a:off x="4641448" y="5852160"/>
-            <a:ext cx="3502152" cy="365125"/>
+            <a:off x="4641448" y="4389120"/>
+            <a:ext cx="3502152" cy="273844"/>
           </a:xfrm>
           <a:prstGeom prst="rect">
             <a:avLst/>
@@ -13348,8 +13348,8 @@
         </p:nvSpPr>
         <p:spPr>
           <a:xfrm>
-            <a:off x="4649096" y="224491"/>
-            <a:ext cx="1332156" cy="365125"/>
+            <a:off x="4649096" y="168369"/>
+            <a:ext cx="1332156" cy="273844"/>
           </a:xfrm>
           <a:prstGeom prst="rect">
             <a:avLst/>
@@ -13886,7 +13886,12 @@
             <p:ph type="title"/>
           </p:nvPr>
         </p:nvSpPr>
-        <p:spPr/>
+        <p:spPr>
+          <a:xfrm>
+            <a:off x="899592" y="483518"/>
+            <a:ext cx="7024744" cy="857250"/>
+          </a:xfrm>
+        </p:spPr>
         <p:txBody>
           <a:bodyPr>
             <a:normAutofit/>
@@ -13913,13 +13918,13 @@
         </p:nvSpPr>
         <p:spPr>
           <a:xfrm>
-            <a:off x="1043492" y="2323652"/>
-            <a:ext cx="7128908" cy="3769644"/>
+            <a:off x="1043492" y="1742739"/>
+            <a:ext cx="7128908" cy="2827233"/>
           </a:xfrm>
         </p:spPr>
         <p:txBody>
           <a:bodyPr>
-            <a:normAutofit lnSpcReduction="10000"/>
+            <a:normAutofit fontScale="92500" lnSpcReduction="20000"/>
           </a:bodyPr>
           <a:lstStyle/>
           <a:p>
@@ -14040,8 +14045,8 @@
         </p:blipFill>
         <p:spPr bwMode="auto">
           <a:xfrm>
-            <a:off x="1265744" y="1556792"/>
-            <a:ext cx="4800600" cy="3905250"/>
+            <a:off x="1265744" y="1167594"/>
+            <a:ext cx="4800600" cy="2928938"/>
           </a:xfrm>
           <a:prstGeom prst="rect">
             <a:avLst/>
@@ -14116,7 +14121,7 @@
         </p:nvSpPr>
         <p:spPr>
           <a:xfrm>
-            <a:off x="683568" y="1340768"/>
+            <a:off x="683568" y="555526"/>
             <a:ext cx="4176464" cy="4801314"/>
           </a:xfrm>
           <a:prstGeom prst="rect">
@@ -14492,7 +14497,7 @@
         </p:nvSpPr>
         <p:spPr>
           <a:xfrm>
-            <a:off x="4860032" y="908720"/>
+            <a:off x="4860032" y="681540"/>
             <a:ext cx="3672408" cy="3970318"/>
           </a:xfrm>
           <a:prstGeom prst="rect">
@@ -15064,8 +15069,8 @@
         </p:nvSpPr>
         <p:spPr>
           <a:xfrm>
-            <a:off x="1043608" y="1844824"/>
-            <a:ext cx="7056902" cy="1753264"/>
+            <a:off x="1043608" y="1383618"/>
+            <a:ext cx="7056902" cy="1314948"/>
           </a:xfrm>
         </p:spPr>
         <p:txBody>
@@ -15135,13 +15140,13 @@
         </p:nvSpPr>
         <p:spPr>
           <a:xfrm>
-            <a:off x="827584" y="1196752"/>
-            <a:ext cx="6840760" cy="5256584"/>
+            <a:off x="827584" y="897564"/>
+            <a:ext cx="6840760" cy="3942438"/>
           </a:xfrm>
         </p:spPr>
         <p:txBody>
           <a:bodyPr>
-            <a:normAutofit fontScale="92500" lnSpcReduction="10000"/>
+            <a:normAutofit fontScale="85000" lnSpcReduction="20000"/>
           </a:bodyPr>
           <a:lstStyle/>
           <a:p>
@@ -15422,7 +15427,7 @@
         </p:nvSpPr>
         <p:spPr>
           <a:xfrm>
-            <a:off x="611560" y="289122"/>
+            <a:off x="611560" y="216841"/>
             <a:ext cx="3096344" cy="707886"/>
           </a:xfrm>
           <a:prstGeom prst="rect">
@@ -15546,7 +15551,7 @@
         </p:nvSpPr>
         <p:spPr>
           <a:xfrm>
-            <a:off x="1475656" y="2924944"/>
+            <a:off x="1475656" y="2193709"/>
             <a:ext cx="6336704" cy="2585323"/>
           </a:xfrm>
           <a:prstGeom prst="rect">
@@ -15755,8 +15760,8 @@
         </p:blipFill>
         <p:spPr bwMode="auto">
           <a:xfrm>
-            <a:off x="827584" y="1880828"/>
-            <a:ext cx="3305054" cy="3384376"/>
+            <a:off x="827584" y="1410621"/>
+            <a:ext cx="3305054" cy="2538282"/>
           </a:xfrm>
           <a:prstGeom prst="rect">
             <a:avLst/>
@@ -15796,8 +15801,8 @@
         </p:blipFill>
         <p:spPr bwMode="auto">
           <a:xfrm>
-            <a:off x="4860032" y="1196752"/>
-            <a:ext cx="3753200" cy="4752528"/>
+            <a:off x="4860032" y="897564"/>
+            <a:ext cx="3753200" cy="3564396"/>
           </a:xfrm>
           <a:prstGeom prst="rect">
             <a:avLst/>
@@ -15822,7 +15827,7 @@
         </p:nvSpPr>
         <p:spPr>
           <a:xfrm>
-            <a:off x="681702" y="439072"/>
+            <a:off x="681702" y="329305"/>
             <a:ext cx="3888432" cy="584775"/>
           </a:xfrm>
           <a:prstGeom prst="rect">
@@ -16112,8 +16117,8 @@
         </p:nvSpPr>
         <p:spPr>
           <a:xfrm>
-            <a:off x="1187624" y="332656"/>
-            <a:ext cx="7024744" cy="1143000"/>
+            <a:off x="1187624" y="249492"/>
+            <a:ext cx="7024744" cy="857250"/>
           </a:xfrm>
         </p:spPr>
         <p:txBody>
@@ -16136,7 +16141,7 @@
         </p:nvSpPr>
         <p:spPr>
           <a:xfrm>
-            <a:off x="611560" y="1772816"/>
+            <a:off x="611560" y="1131590"/>
             <a:ext cx="4536504" cy="3785652"/>
           </a:xfrm>
           <a:prstGeom prst="rect">
@@ -16326,7 +16331,7 @@
         </p:nvSpPr>
         <p:spPr>
           <a:xfrm>
-            <a:off x="2879812" y="5373216"/>
+            <a:off x="3275856" y="3435846"/>
             <a:ext cx="5616624" cy="954107"/>
           </a:xfrm>
           <a:prstGeom prst="rect">
@@ -16712,12 +16717,14 @@
         </p:nvSpPr>
         <p:spPr>
           <a:xfrm>
-            <a:off x="945645" y="3573016"/>
-            <a:ext cx="6836916" cy="2664296"/>
+            <a:off x="945645" y="2679762"/>
+            <a:ext cx="6836916" cy="1998222"/>
           </a:xfrm>
         </p:spPr>
         <p:txBody>
-          <a:bodyPr/>
+          <a:bodyPr>
+            <a:normAutofit fontScale="92500" lnSpcReduction="10000"/>
+          </a:bodyPr>
           <a:lstStyle/>
           <a:p>
             <a:r>
@@ -16814,8 +16821,8 @@
         </p:blipFill>
         <p:spPr bwMode="auto">
           <a:xfrm>
-            <a:off x="4499992" y="908720"/>
-            <a:ext cx="2857500" cy="2419351"/>
+            <a:off x="4499992" y="681540"/>
+            <a:ext cx="2857500" cy="1814513"/>
           </a:xfrm>
           <a:prstGeom prst="rect">
             <a:avLst/>
@@ -16904,7 +16911,9 @@
         </p:nvSpPr>
         <p:spPr/>
         <p:txBody>
-          <a:bodyPr/>
+          <a:bodyPr>
+            <a:normAutofit fontScale="92500"/>
+          </a:bodyPr>
           <a:lstStyle/>
           <a:p>
             <a:r>
@@ -17054,8 +17063,8 @@
         </p:nvSpPr>
         <p:spPr>
           <a:xfrm>
-            <a:off x="611560" y="-35272"/>
-            <a:ext cx="7024744" cy="1143000"/>
+            <a:off x="611560" y="-26454"/>
+            <a:ext cx="7024744" cy="857250"/>
           </a:xfrm>
         </p:spPr>
         <p:txBody>
@@ -17112,8 +17121,8 @@
         </p:blipFill>
         <p:spPr bwMode="auto">
           <a:xfrm>
-            <a:off x="683568" y="1196752"/>
-            <a:ext cx="7695203" cy="4829094"/>
+            <a:off x="683569" y="897564"/>
+            <a:ext cx="7695203" cy="3621821"/>
           </a:xfrm>
           <a:prstGeom prst="rect">
             <a:avLst/>
@@ -17185,8 +17194,8 @@
         </p:nvSpPr>
         <p:spPr>
           <a:xfrm>
-            <a:off x="467544" y="116632"/>
-            <a:ext cx="7024744" cy="1143000"/>
+            <a:off x="467544" y="87474"/>
+            <a:ext cx="7024744" cy="857250"/>
           </a:xfrm>
         </p:spPr>
         <p:txBody>
@@ -17209,8 +17218,8 @@
         </p:nvSpPr>
         <p:spPr>
           <a:xfrm>
-            <a:off x="2568600" y="908720"/>
-            <a:ext cx="6912768" cy="5786199"/>
+            <a:off x="2568600" y="681540"/>
+            <a:ext cx="6912768" cy="4339650"/>
           </a:xfrm>
           <a:prstGeom prst="rect">
             <a:avLst/>
@@ -17224,21 +17233,21 @@
           <a:lstStyle/>
           <a:p>
             <a:r>
-              <a:rPr lang="en-US" altLang="zh-CN" sz="1600" dirty="0">
+              <a:rPr lang="en-US" altLang="zh-CN" sz="1200" dirty="0">
                 <a:latin typeface="Consolas" panose="020B0609020204030204" pitchFamily="49" charset="0"/>
                 <a:cs typeface="Consolas" panose="020B0609020204030204" pitchFamily="49" charset="0"/>
               </a:rPr>
               <a:t>#include &lt;</a:t>
             </a:r>
             <a:r>
-              <a:rPr lang="en-US" altLang="zh-CN" sz="1600" dirty="0" err="1">
+              <a:rPr lang="en-US" altLang="zh-CN" sz="1200" dirty="0" err="1">
                 <a:latin typeface="Consolas" panose="020B0609020204030204" pitchFamily="49" charset="0"/>
                 <a:cs typeface="Consolas" panose="020B0609020204030204" pitchFamily="49" charset="0"/>
               </a:rPr>
               <a:t>stdio.h</a:t>
             </a:r>
             <a:r>
-              <a:rPr lang="en-US" altLang="zh-CN" sz="1600" dirty="0">
+              <a:rPr lang="en-US" altLang="zh-CN" sz="1200" dirty="0">
                 <a:latin typeface="Consolas" panose="020B0609020204030204" pitchFamily="49" charset="0"/>
                 <a:cs typeface="Consolas" panose="020B0609020204030204" pitchFamily="49" charset="0"/>
               </a:rPr>
@@ -17247,49 +17256,49 @@
           </a:p>
           <a:p>
             <a:r>
-              <a:rPr lang="en-US" altLang="zh-CN" sz="1600" dirty="0">
+              <a:rPr lang="en-US" altLang="zh-CN" sz="1200" dirty="0">
                 <a:latin typeface="Consolas" panose="020B0609020204030204" pitchFamily="49" charset="0"/>
                 <a:cs typeface="Consolas" panose="020B0609020204030204" pitchFamily="49" charset="0"/>
               </a:rPr>
               <a:t>void move(</a:t>
             </a:r>
             <a:r>
-              <a:rPr lang="en-US" altLang="zh-CN" sz="1600" dirty="0" err="1">
+              <a:rPr lang="en-US" altLang="zh-CN" sz="1200" dirty="0" err="1">
                 <a:latin typeface="Consolas" panose="020B0609020204030204" pitchFamily="49" charset="0"/>
                 <a:cs typeface="Consolas" panose="020B0609020204030204" pitchFamily="49" charset="0"/>
               </a:rPr>
               <a:t>int</a:t>
             </a:r>
             <a:r>
-              <a:rPr lang="en-US" altLang="zh-CN" sz="1600" dirty="0">
+              <a:rPr lang="en-US" altLang="zh-CN" sz="1200" dirty="0">
                 <a:latin typeface="Consolas" panose="020B0609020204030204" pitchFamily="49" charset="0"/>
                 <a:cs typeface="Consolas" panose="020B0609020204030204" pitchFamily="49" charset="0"/>
               </a:rPr>
               <a:t> </a:t>
             </a:r>
             <a:r>
-              <a:rPr lang="en-US" altLang="zh-CN" sz="1600" dirty="0" err="1">
+              <a:rPr lang="en-US" altLang="zh-CN" sz="1200" dirty="0" err="1">
                 <a:latin typeface="Consolas" panose="020B0609020204030204" pitchFamily="49" charset="0"/>
                 <a:cs typeface="Consolas" panose="020B0609020204030204" pitchFamily="49" charset="0"/>
               </a:rPr>
               <a:t>n,char</a:t>
             </a:r>
             <a:r>
-              <a:rPr lang="en-US" altLang="zh-CN" sz="1600" dirty="0">
+              <a:rPr lang="en-US" altLang="zh-CN" sz="1200" dirty="0">
                 <a:latin typeface="Consolas" panose="020B0609020204030204" pitchFamily="49" charset="0"/>
                 <a:cs typeface="Consolas" panose="020B0609020204030204" pitchFamily="49" charset="0"/>
               </a:rPr>
               <a:t> </a:t>
             </a:r>
             <a:r>
-              <a:rPr lang="en-US" altLang="zh-CN" sz="1600" dirty="0" err="1">
+              <a:rPr lang="en-US" altLang="zh-CN" sz="1200" dirty="0" err="1">
                 <a:latin typeface="Consolas" panose="020B0609020204030204" pitchFamily="49" charset="0"/>
                 <a:cs typeface="Consolas" panose="020B0609020204030204" pitchFamily="49" charset="0"/>
               </a:rPr>
               <a:t>a,char</a:t>
             </a:r>
             <a:r>
-              <a:rPr lang="en-US" altLang="zh-CN" sz="1600" dirty="0">
+              <a:rPr lang="en-US" altLang="zh-CN" sz="1200" dirty="0">
                 <a:latin typeface="Consolas" panose="020B0609020204030204" pitchFamily="49" charset="0"/>
                 <a:cs typeface="Consolas" panose="020B0609020204030204" pitchFamily="49" charset="0"/>
               </a:rPr>
@@ -17298,7 +17307,7 @@
           </a:p>
           <a:p>
             <a:r>
-              <a:rPr lang="en-US" altLang="zh-CN" sz="1600" dirty="0">
+              <a:rPr lang="en-US" altLang="zh-CN" sz="1200" dirty="0">
                 <a:latin typeface="Consolas" panose="020B0609020204030204" pitchFamily="49" charset="0"/>
                 <a:cs typeface="Consolas" panose="020B0609020204030204" pitchFamily="49" charset="0"/>
               </a:rPr>
@@ -17307,35 +17316,35 @@
           </a:p>
           <a:p>
             <a:r>
-              <a:rPr lang="en-US" altLang="zh-CN" sz="1600" dirty="0">
+              <a:rPr lang="en-US" altLang="zh-CN" sz="1200" dirty="0">
                 <a:latin typeface="Consolas" panose="020B0609020204030204" pitchFamily="49" charset="0"/>
                 <a:cs typeface="Consolas" panose="020B0609020204030204" pitchFamily="49" charset="0"/>
               </a:rPr>
               <a:t>    </a:t>
             </a:r>
             <a:r>
-              <a:rPr lang="en-US" altLang="zh-CN" sz="1600" dirty="0" err="1">
+              <a:rPr lang="en-US" altLang="zh-CN" sz="1200" dirty="0" err="1">
                 <a:latin typeface="Consolas" panose="020B0609020204030204" pitchFamily="49" charset="0"/>
                 <a:cs typeface="Consolas" panose="020B0609020204030204" pitchFamily="49" charset="0"/>
               </a:rPr>
               <a:t>printf</a:t>
             </a:r>
             <a:r>
-              <a:rPr lang="en-US" altLang="zh-CN" sz="1600" dirty="0">
+              <a:rPr lang="en-US" altLang="zh-CN" sz="1200" dirty="0">
                 <a:latin typeface="Consolas" panose="020B0609020204030204" pitchFamily="49" charset="0"/>
                 <a:cs typeface="Consolas" panose="020B0609020204030204" pitchFamily="49" charset="0"/>
               </a:rPr>
               <a:t>("Move disk %d from %c to %c\n",</a:t>
             </a:r>
             <a:r>
-              <a:rPr lang="en-US" altLang="zh-CN" sz="1600" dirty="0" err="1">
+              <a:rPr lang="en-US" altLang="zh-CN" sz="1200" dirty="0" err="1">
                 <a:latin typeface="Consolas" panose="020B0609020204030204" pitchFamily="49" charset="0"/>
                 <a:cs typeface="Consolas" panose="020B0609020204030204" pitchFamily="49" charset="0"/>
               </a:rPr>
               <a:t>n,a,b</a:t>
             </a:r>
             <a:r>
-              <a:rPr lang="en-US" altLang="zh-CN" sz="1600" dirty="0">
+              <a:rPr lang="en-US" altLang="zh-CN" sz="1200" dirty="0">
                 <a:latin typeface="Consolas" panose="020B0609020204030204" pitchFamily="49" charset="0"/>
                 <a:cs typeface="Consolas" panose="020B0609020204030204" pitchFamily="49" charset="0"/>
               </a:rPr>
@@ -17344,7 +17353,7 @@
           </a:p>
           <a:p>
             <a:r>
-              <a:rPr lang="en-US" altLang="zh-CN" sz="1600" dirty="0">
+              <a:rPr lang="en-US" altLang="zh-CN" sz="1200" dirty="0">
                 <a:latin typeface="Consolas" panose="020B0609020204030204" pitchFamily="49" charset="0"/>
                 <a:cs typeface="Consolas" panose="020B0609020204030204" pitchFamily="49" charset="0"/>
               </a:rPr>
@@ -17353,77 +17362,77 @@
           </a:p>
           <a:p>
             <a:r>
-              <a:rPr lang="en-US" altLang="zh-CN" sz="1600" dirty="0">
+              <a:rPr lang="en-US" altLang="zh-CN" sz="1200" dirty="0">
                 <a:latin typeface="Consolas" panose="020B0609020204030204" pitchFamily="49" charset="0"/>
                 <a:cs typeface="Consolas" panose="020B0609020204030204" pitchFamily="49" charset="0"/>
               </a:rPr>
               <a:t>void </a:t>
             </a:r>
             <a:r>
-              <a:rPr lang="en-US" altLang="zh-CN" sz="1600" dirty="0" err="1">
+              <a:rPr lang="en-US" altLang="zh-CN" sz="1200" dirty="0" err="1">
                 <a:latin typeface="Consolas" panose="020B0609020204030204" pitchFamily="49" charset="0"/>
                 <a:cs typeface="Consolas" panose="020B0609020204030204" pitchFamily="49" charset="0"/>
               </a:rPr>
               <a:t>hanoi</a:t>
             </a:r>
             <a:r>
-              <a:rPr lang="en-US" altLang="zh-CN" sz="1600" dirty="0">
+              <a:rPr lang="en-US" altLang="zh-CN" sz="1200" dirty="0">
                 <a:latin typeface="Consolas" panose="020B0609020204030204" pitchFamily="49" charset="0"/>
                 <a:cs typeface="Consolas" panose="020B0609020204030204" pitchFamily="49" charset="0"/>
               </a:rPr>
               <a:t>(</a:t>
             </a:r>
             <a:r>
-              <a:rPr lang="en-US" altLang="zh-CN" sz="1600" dirty="0" err="1">
+              <a:rPr lang="en-US" altLang="zh-CN" sz="1200" dirty="0" err="1">
                 <a:latin typeface="Consolas" panose="020B0609020204030204" pitchFamily="49" charset="0"/>
                 <a:cs typeface="Consolas" panose="020B0609020204030204" pitchFamily="49" charset="0"/>
               </a:rPr>
               <a:t>int</a:t>
             </a:r>
             <a:r>
-              <a:rPr lang="en-US" altLang="zh-CN" sz="1600" dirty="0">
+              <a:rPr lang="en-US" altLang="zh-CN" sz="1200" dirty="0">
                 <a:latin typeface="Consolas" panose="020B0609020204030204" pitchFamily="49" charset="0"/>
                 <a:cs typeface="Consolas" panose="020B0609020204030204" pitchFamily="49" charset="0"/>
               </a:rPr>
               <a:t> </a:t>
             </a:r>
             <a:r>
-              <a:rPr lang="en-US" altLang="zh-CN" sz="1600" dirty="0" err="1">
+              <a:rPr lang="en-US" altLang="zh-CN" sz="1200" dirty="0" err="1">
                 <a:latin typeface="Consolas" panose="020B0609020204030204" pitchFamily="49" charset="0"/>
                 <a:cs typeface="Consolas" panose="020B0609020204030204" pitchFamily="49" charset="0"/>
               </a:rPr>
               <a:t>n,char</a:t>
             </a:r>
             <a:r>
-              <a:rPr lang="en-US" altLang="zh-CN" sz="1600" dirty="0">
+              <a:rPr lang="en-US" altLang="zh-CN" sz="1200" dirty="0">
                 <a:latin typeface="Consolas" panose="020B0609020204030204" pitchFamily="49" charset="0"/>
                 <a:cs typeface="Consolas" panose="020B0609020204030204" pitchFamily="49" charset="0"/>
               </a:rPr>
               <a:t> </a:t>
             </a:r>
             <a:r>
-              <a:rPr lang="en-US" altLang="zh-CN" sz="1600" dirty="0" err="1">
+              <a:rPr lang="en-US" altLang="zh-CN" sz="1200" dirty="0" err="1">
                 <a:latin typeface="Consolas" panose="020B0609020204030204" pitchFamily="49" charset="0"/>
                 <a:cs typeface="Consolas" panose="020B0609020204030204" pitchFamily="49" charset="0"/>
               </a:rPr>
               <a:t>a,char</a:t>
             </a:r>
             <a:r>
-              <a:rPr lang="en-US" altLang="zh-CN" sz="1600" dirty="0">
+              <a:rPr lang="en-US" altLang="zh-CN" sz="1200" dirty="0">
                 <a:latin typeface="Consolas" panose="020B0609020204030204" pitchFamily="49" charset="0"/>
                 <a:cs typeface="Consolas" panose="020B0609020204030204" pitchFamily="49" charset="0"/>
               </a:rPr>
               <a:t> </a:t>
             </a:r>
             <a:r>
-              <a:rPr lang="en-US" altLang="zh-CN" sz="1600" dirty="0" err="1">
+              <a:rPr lang="en-US" altLang="zh-CN" sz="1200" dirty="0" err="1">
                 <a:latin typeface="Consolas" panose="020B0609020204030204" pitchFamily="49" charset="0"/>
                 <a:cs typeface="Consolas" panose="020B0609020204030204" pitchFamily="49" charset="0"/>
               </a:rPr>
               <a:t>b,char</a:t>
             </a:r>
             <a:r>
-              <a:rPr lang="en-US" altLang="zh-CN" sz="1600" dirty="0">
+              <a:rPr lang="en-US" altLang="zh-CN" sz="1200" dirty="0">
                 <a:latin typeface="Consolas" panose="020B0609020204030204" pitchFamily="49" charset="0"/>
                 <a:cs typeface="Consolas" panose="020B0609020204030204" pitchFamily="49" charset="0"/>
               </a:rPr>
@@ -17432,7 +17441,7 @@
           </a:p>
           <a:p>
             <a:r>
-              <a:rPr lang="en-US" altLang="zh-CN" sz="1600" dirty="0">
+              <a:rPr lang="en-US" altLang="zh-CN" sz="1200" dirty="0">
                 <a:latin typeface="Consolas" panose="020B0609020204030204" pitchFamily="49" charset="0"/>
                 <a:cs typeface="Consolas" panose="020B0609020204030204" pitchFamily="49" charset="0"/>
               </a:rPr>
@@ -17441,28 +17450,28 @@
           </a:p>
           <a:p>
             <a:r>
-              <a:rPr lang="en-US" altLang="zh-CN" sz="1600" dirty="0">
+              <a:rPr lang="en-US" altLang="zh-CN" sz="1200" dirty="0">
                 <a:latin typeface="Consolas" panose="020B0609020204030204" pitchFamily="49" charset="0"/>
                 <a:cs typeface="Consolas" panose="020B0609020204030204" pitchFamily="49" charset="0"/>
               </a:rPr>
               <a:t>    if(n==</a:t>
             </a:r>
             <a:r>
-              <a:rPr lang="en-US" altLang="zh-CN" sz="1600" dirty="0" smtClean="0">
+              <a:rPr lang="en-US" altLang="zh-CN" sz="1200" dirty="0" smtClean="0">
                 <a:latin typeface="Consolas" panose="020B0609020204030204" pitchFamily="49" charset="0"/>
                 <a:cs typeface="Consolas" panose="020B0609020204030204" pitchFamily="49" charset="0"/>
               </a:rPr>
               <a:t>1) move(</a:t>
             </a:r>
             <a:r>
-              <a:rPr lang="en-US" altLang="zh-CN" sz="1600" dirty="0" err="1" smtClean="0">
+              <a:rPr lang="en-US" altLang="zh-CN" sz="1200" dirty="0" err="1" smtClean="0">
                 <a:latin typeface="Consolas" panose="020B0609020204030204" pitchFamily="49" charset="0"/>
                 <a:cs typeface="Consolas" panose="020B0609020204030204" pitchFamily="49" charset="0"/>
               </a:rPr>
               <a:t>n,a,c</a:t>
             </a:r>
             <a:r>
-              <a:rPr lang="en-US" altLang="zh-CN" sz="1600" dirty="0" smtClean="0">
+              <a:rPr lang="en-US" altLang="zh-CN" sz="1200" dirty="0" smtClean="0">
                 <a:latin typeface="Consolas" panose="020B0609020204030204" pitchFamily="49" charset="0"/>
                 <a:cs typeface="Consolas" panose="020B0609020204030204" pitchFamily="49" charset="0"/>
               </a:rPr>
@@ -17471,27 +17480,27 @@
           </a:p>
           <a:p>
             <a:r>
-              <a:rPr lang="en-US" altLang="zh-CN" sz="1600" dirty="0">
+              <a:rPr lang="en-US" altLang="zh-CN" sz="1200" dirty="0">
                 <a:latin typeface="Consolas" panose="020B0609020204030204" pitchFamily="49" charset="0"/>
                 <a:cs typeface="Consolas" panose="020B0609020204030204" pitchFamily="49" charset="0"/>
               </a:rPr>
               <a:t> </a:t>
             </a:r>
             <a:r>
-              <a:rPr lang="en-US" altLang="zh-CN" sz="1600" dirty="0" smtClean="0">
+              <a:rPr lang="en-US" altLang="zh-CN" sz="1200" dirty="0" smtClean="0">
                 <a:latin typeface="Consolas" panose="020B0609020204030204" pitchFamily="49" charset="0"/>
                 <a:cs typeface="Consolas" panose="020B0609020204030204" pitchFamily="49" charset="0"/>
               </a:rPr>
               <a:t>   else</a:t>
             </a:r>
-            <a:endParaRPr lang="en-US" altLang="zh-CN" sz="1600" dirty="0">
+            <a:endParaRPr lang="en-US" altLang="zh-CN" sz="1200" dirty="0">
               <a:latin typeface="Consolas" panose="020B0609020204030204" pitchFamily="49" charset="0"/>
               <a:cs typeface="Consolas" panose="020B0609020204030204" pitchFamily="49" charset="0"/>
             </a:endParaRPr>
           </a:p>
           <a:p>
             <a:r>
-              <a:rPr lang="en-US" altLang="zh-CN" sz="1600" dirty="0">
+              <a:rPr lang="en-US" altLang="zh-CN" sz="1200" dirty="0">
                 <a:latin typeface="Consolas" panose="020B0609020204030204" pitchFamily="49" charset="0"/>
                 <a:cs typeface="Consolas" panose="020B0609020204030204" pitchFamily="49" charset="0"/>
               </a:rPr>
@@ -17500,21 +17509,21 @@
           </a:p>
           <a:p>
             <a:r>
-              <a:rPr lang="en-US" altLang="zh-CN" sz="1600" dirty="0">
+              <a:rPr lang="en-US" altLang="zh-CN" sz="1200" dirty="0">
                 <a:latin typeface="Consolas" panose="020B0609020204030204" pitchFamily="49" charset="0"/>
                 <a:cs typeface="Consolas" panose="020B0609020204030204" pitchFamily="49" charset="0"/>
               </a:rPr>
               <a:t>        </a:t>
             </a:r>
             <a:r>
-              <a:rPr lang="en-US" altLang="zh-CN" sz="1600" dirty="0" err="1">
+              <a:rPr lang="en-US" altLang="zh-CN" sz="1200" dirty="0" err="1">
                 <a:latin typeface="Consolas" panose="020B0609020204030204" pitchFamily="49" charset="0"/>
                 <a:cs typeface="Consolas" panose="020B0609020204030204" pitchFamily="49" charset="0"/>
               </a:rPr>
               <a:t>hanoi</a:t>
             </a:r>
             <a:r>
-              <a:rPr lang="en-US" altLang="zh-CN" sz="1600" dirty="0">
+              <a:rPr lang="en-US" altLang="zh-CN" sz="1200" dirty="0">
                 <a:latin typeface="Consolas" panose="020B0609020204030204" pitchFamily="49" charset="0"/>
                 <a:cs typeface="Consolas" panose="020B0609020204030204" pitchFamily="49" charset="0"/>
               </a:rPr>
@@ -17523,21 +17532,21 @@
           </a:p>
           <a:p>
             <a:r>
-              <a:rPr lang="en-US" altLang="zh-CN" sz="1600" dirty="0">
+              <a:rPr lang="en-US" altLang="zh-CN" sz="1200" dirty="0">
                 <a:latin typeface="Consolas" panose="020B0609020204030204" pitchFamily="49" charset="0"/>
                 <a:cs typeface="Consolas" panose="020B0609020204030204" pitchFamily="49" charset="0"/>
               </a:rPr>
               <a:t>        move(</a:t>
             </a:r>
             <a:r>
-              <a:rPr lang="en-US" altLang="zh-CN" sz="1600" dirty="0" err="1">
+              <a:rPr lang="en-US" altLang="zh-CN" sz="1200" dirty="0" err="1">
                 <a:latin typeface="Consolas" panose="020B0609020204030204" pitchFamily="49" charset="0"/>
                 <a:cs typeface="Consolas" panose="020B0609020204030204" pitchFamily="49" charset="0"/>
               </a:rPr>
               <a:t>n,a,c</a:t>
             </a:r>
             <a:r>
-              <a:rPr lang="en-US" altLang="zh-CN" sz="1600" dirty="0">
+              <a:rPr lang="en-US" altLang="zh-CN" sz="1200" dirty="0">
                 <a:latin typeface="Consolas" panose="020B0609020204030204" pitchFamily="49" charset="0"/>
                 <a:cs typeface="Consolas" panose="020B0609020204030204" pitchFamily="49" charset="0"/>
               </a:rPr>
@@ -17546,21 +17555,21 @@
           </a:p>
           <a:p>
             <a:r>
-              <a:rPr lang="en-US" altLang="zh-CN" sz="1600" dirty="0">
+              <a:rPr lang="en-US" altLang="zh-CN" sz="1200" dirty="0">
                 <a:latin typeface="Consolas" panose="020B0609020204030204" pitchFamily="49" charset="0"/>
                 <a:cs typeface="Consolas" panose="020B0609020204030204" pitchFamily="49" charset="0"/>
               </a:rPr>
               <a:t>        </a:t>
             </a:r>
             <a:r>
-              <a:rPr lang="en-US" altLang="zh-CN" sz="1600" dirty="0" err="1">
+              <a:rPr lang="en-US" altLang="zh-CN" sz="1200" dirty="0" err="1">
                 <a:latin typeface="Consolas" panose="020B0609020204030204" pitchFamily="49" charset="0"/>
                 <a:cs typeface="Consolas" panose="020B0609020204030204" pitchFamily="49" charset="0"/>
               </a:rPr>
               <a:t>hanoi</a:t>
             </a:r>
             <a:r>
-              <a:rPr lang="en-US" altLang="zh-CN" sz="1600" dirty="0">
+              <a:rPr lang="en-US" altLang="zh-CN" sz="1200" dirty="0">
                 <a:latin typeface="Consolas" panose="020B0609020204030204" pitchFamily="49" charset="0"/>
                 <a:cs typeface="Consolas" panose="020B0609020204030204" pitchFamily="49" charset="0"/>
               </a:rPr>
@@ -17569,7 +17578,7 @@
           </a:p>
           <a:p>
             <a:r>
-              <a:rPr lang="en-US" altLang="zh-CN" sz="1600" dirty="0">
+              <a:rPr lang="en-US" altLang="zh-CN" sz="1200" dirty="0">
                 <a:latin typeface="Consolas" panose="020B0609020204030204" pitchFamily="49" charset="0"/>
                 <a:cs typeface="Consolas" panose="020B0609020204030204" pitchFamily="49" charset="0"/>
               </a:rPr>
@@ -17578,7 +17587,7 @@
           </a:p>
           <a:p>
             <a:r>
-              <a:rPr lang="en-US" altLang="zh-CN" sz="1600" dirty="0">
+              <a:rPr lang="en-US" altLang="zh-CN" sz="1200" dirty="0">
                 <a:latin typeface="Consolas" panose="020B0609020204030204" pitchFamily="49" charset="0"/>
                 <a:cs typeface="Consolas" panose="020B0609020204030204" pitchFamily="49" charset="0"/>
               </a:rPr>
@@ -17587,14 +17596,14 @@
           </a:p>
           <a:p>
             <a:r>
-              <a:rPr lang="en-US" altLang="zh-CN" sz="1600" dirty="0" err="1">
+              <a:rPr lang="en-US" altLang="zh-CN" sz="1200" dirty="0" err="1">
                 <a:latin typeface="Consolas" panose="020B0609020204030204" pitchFamily="49" charset="0"/>
                 <a:cs typeface="Consolas" panose="020B0609020204030204" pitchFamily="49" charset="0"/>
               </a:rPr>
               <a:t>int</a:t>
             </a:r>
             <a:r>
-              <a:rPr lang="en-US" altLang="zh-CN" sz="1600" dirty="0">
+              <a:rPr lang="en-US" altLang="zh-CN" sz="1200" dirty="0">
                 <a:latin typeface="Consolas" panose="020B0609020204030204" pitchFamily="49" charset="0"/>
                 <a:cs typeface="Consolas" panose="020B0609020204030204" pitchFamily="49" charset="0"/>
               </a:rPr>
@@ -17603,7 +17612,7 @@
           </a:p>
           <a:p>
             <a:r>
-              <a:rPr lang="en-US" altLang="zh-CN" sz="1600" dirty="0">
+              <a:rPr lang="en-US" altLang="zh-CN" sz="1200" dirty="0">
                 <a:latin typeface="Consolas" panose="020B0609020204030204" pitchFamily="49" charset="0"/>
                 <a:cs typeface="Consolas" panose="020B0609020204030204" pitchFamily="49" charset="0"/>
               </a:rPr>
@@ -17612,21 +17621,21 @@
           </a:p>
           <a:p>
             <a:r>
-              <a:rPr lang="en-US" altLang="zh-CN" sz="1600" dirty="0">
+              <a:rPr lang="en-US" altLang="zh-CN" sz="1200" dirty="0">
                 <a:latin typeface="Consolas" panose="020B0609020204030204" pitchFamily="49" charset="0"/>
                 <a:cs typeface="Consolas" panose="020B0609020204030204" pitchFamily="49" charset="0"/>
               </a:rPr>
               <a:t>    </a:t>
             </a:r>
             <a:r>
-              <a:rPr lang="en-US" altLang="zh-CN" sz="1600" dirty="0" err="1">
+              <a:rPr lang="en-US" altLang="zh-CN" sz="1200" dirty="0" err="1">
                 <a:latin typeface="Consolas" panose="020B0609020204030204" pitchFamily="49" charset="0"/>
                 <a:cs typeface="Consolas" panose="020B0609020204030204" pitchFamily="49" charset="0"/>
               </a:rPr>
               <a:t>int</a:t>
             </a:r>
             <a:r>
-              <a:rPr lang="en-US" altLang="zh-CN" sz="1600" dirty="0">
+              <a:rPr lang="en-US" altLang="zh-CN" sz="1200" dirty="0">
                 <a:latin typeface="Consolas" panose="020B0609020204030204" pitchFamily="49" charset="0"/>
                 <a:cs typeface="Consolas" panose="020B0609020204030204" pitchFamily="49" charset="0"/>
               </a:rPr>
@@ -17635,35 +17644,35 @@
           </a:p>
           <a:p>
             <a:r>
-              <a:rPr lang="en-US" altLang="zh-CN" sz="1600" dirty="0">
+              <a:rPr lang="en-US" altLang="zh-CN" sz="1200" dirty="0">
                 <a:latin typeface="Consolas" panose="020B0609020204030204" pitchFamily="49" charset="0"/>
                 <a:cs typeface="Consolas" panose="020B0609020204030204" pitchFamily="49" charset="0"/>
               </a:rPr>
               <a:t>    while(</a:t>
             </a:r>
             <a:r>
-              <a:rPr lang="en-US" altLang="zh-CN" sz="1600" dirty="0" err="1">
+              <a:rPr lang="en-US" altLang="zh-CN" sz="1200" dirty="0" err="1">
                 <a:latin typeface="Consolas" panose="020B0609020204030204" pitchFamily="49" charset="0"/>
                 <a:cs typeface="Consolas" panose="020B0609020204030204" pitchFamily="49" charset="0"/>
               </a:rPr>
               <a:t>scanf</a:t>
             </a:r>
             <a:r>
-              <a:rPr lang="en-US" altLang="zh-CN" sz="1600" dirty="0">
+              <a:rPr lang="en-US" altLang="zh-CN" sz="1200" dirty="0">
                 <a:latin typeface="Consolas" panose="020B0609020204030204" pitchFamily="49" charset="0"/>
                 <a:cs typeface="Consolas" panose="020B0609020204030204" pitchFamily="49" charset="0"/>
               </a:rPr>
               <a:t>("%</a:t>
             </a:r>
             <a:r>
-              <a:rPr lang="en-US" altLang="zh-CN" sz="1600" dirty="0" err="1">
+              <a:rPr lang="en-US" altLang="zh-CN" sz="1200" dirty="0" err="1">
                 <a:latin typeface="Consolas" panose="020B0609020204030204" pitchFamily="49" charset="0"/>
                 <a:cs typeface="Consolas" panose="020B0609020204030204" pitchFamily="49" charset="0"/>
               </a:rPr>
               <a:t>d",&amp;n</a:t>
             </a:r>
             <a:r>
-              <a:rPr lang="en-US" altLang="zh-CN" sz="1600" dirty="0">
+              <a:rPr lang="en-US" altLang="zh-CN" sz="1200" dirty="0">
                 <a:latin typeface="Consolas" panose="020B0609020204030204" pitchFamily="49" charset="0"/>
                 <a:cs typeface="Consolas" panose="020B0609020204030204" pitchFamily="49" charset="0"/>
               </a:rPr>
@@ -17672,35 +17681,35 @@
           </a:p>
           <a:p>
             <a:r>
-              <a:rPr lang="en-US" altLang="zh-CN" sz="1600" dirty="0">
+              <a:rPr lang="en-US" altLang="zh-CN" sz="1200" dirty="0">
                 <a:latin typeface="Consolas" panose="020B0609020204030204" pitchFamily="49" charset="0"/>
                 <a:cs typeface="Consolas" panose="020B0609020204030204" pitchFamily="49" charset="0"/>
               </a:rPr>
               <a:t>        </a:t>
             </a:r>
             <a:r>
-              <a:rPr lang="en-US" altLang="zh-CN" sz="1600" dirty="0" err="1">
+              <a:rPr lang="en-US" altLang="zh-CN" sz="1200" dirty="0" err="1">
                 <a:latin typeface="Consolas" panose="020B0609020204030204" pitchFamily="49" charset="0"/>
                 <a:cs typeface="Consolas" panose="020B0609020204030204" pitchFamily="49" charset="0"/>
               </a:rPr>
               <a:t>hanoi</a:t>
             </a:r>
             <a:r>
-              <a:rPr lang="en-US" altLang="zh-CN" sz="1600" dirty="0">
+              <a:rPr lang="en-US" altLang="zh-CN" sz="1200" dirty="0">
                 <a:latin typeface="Consolas" panose="020B0609020204030204" pitchFamily="49" charset="0"/>
                 <a:cs typeface="Consolas" panose="020B0609020204030204" pitchFamily="49" charset="0"/>
               </a:rPr>
               <a:t>(</a:t>
             </a:r>
             <a:r>
-              <a:rPr lang="en-US" altLang="zh-CN" sz="1600" dirty="0" err="1">
+              <a:rPr lang="en-US" altLang="zh-CN" sz="1200" dirty="0" err="1">
                 <a:latin typeface="Consolas" panose="020B0609020204030204" pitchFamily="49" charset="0"/>
                 <a:cs typeface="Consolas" panose="020B0609020204030204" pitchFamily="49" charset="0"/>
               </a:rPr>
               <a:t>n,'A','B','C</a:t>
             </a:r>
             <a:r>
-              <a:rPr lang="en-US" altLang="zh-CN" sz="1600" dirty="0">
+              <a:rPr lang="en-US" altLang="zh-CN" sz="1200" dirty="0">
                 <a:latin typeface="Consolas" panose="020B0609020204030204" pitchFamily="49" charset="0"/>
                 <a:cs typeface="Consolas" panose="020B0609020204030204" pitchFamily="49" charset="0"/>
               </a:rPr>
@@ -17709,7 +17718,7 @@
           </a:p>
           <a:p>
             <a:r>
-              <a:rPr lang="en-US" altLang="zh-CN" sz="1600" dirty="0">
+              <a:rPr lang="en-US" altLang="zh-CN" sz="1200" dirty="0">
                 <a:latin typeface="Consolas" panose="020B0609020204030204" pitchFamily="49" charset="0"/>
                 <a:cs typeface="Consolas" panose="020B0609020204030204" pitchFamily="49" charset="0"/>
               </a:rPr>
@@ -17718,7 +17727,7 @@
           </a:p>
           <a:p>
             <a:r>
-              <a:rPr lang="en-US" altLang="zh-CN" sz="1600" dirty="0">
+              <a:rPr lang="en-US" altLang="zh-CN" sz="1200" dirty="0">
                 <a:latin typeface="Consolas" panose="020B0609020204030204" pitchFamily="49" charset="0"/>
                 <a:cs typeface="Consolas" panose="020B0609020204030204" pitchFamily="49" charset="0"/>
               </a:rPr>
@@ -17726,7 +17735,7 @@
             </a:r>
           </a:p>
           <a:p>
-            <a:endParaRPr lang="zh-CN" altLang="en-US" dirty="0"/>
+            <a:endParaRPr lang="zh-CN" altLang="en-US" sz="1200" dirty="0"/>
           </a:p>
         </p:txBody>
       </p:sp>
@@ -17879,8 +17888,8 @@
         </p:blipFill>
         <p:spPr bwMode="auto">
           <a:xfrm>
-            <a:off x="5089872" y="3789040"/>
-            <a:ext cx="2552700" cy="2705100"/>
+            <a:off x="5089872" y="2841780"/>
+            <a:ext cx="2552700" cy="2028825"/>
           </a:xfrm>
           <a:prstGeom prst="rect">
             <a:avLst/>
@@ -17946,13 +17955,13 @@
         </p:nvSpPr>
         <p:spPr>
           <a:xfrm>
-            <a:off x="539552" y="908720"/>
-            <a:ext cx="7632848" cy="5400600"/>
+            <a:off x="539552" y="681540"/>
+            <a:ext cx="7632848" cy="4050450"/>
           </a:xfrm>
         </p:spPr>
         <p:txBody>
           <a:bodyPr>
-            <a:normAutofit fontScale="85000" lnSpcReduction="20000"/>
+            <a:normAutofit fontScale="62500" lnSpcReduction="20000"/>
           </a:bodyPr>
           <a:lstStyle/>
           <a:p>
@@ -18636,7 +18645,7 @@
         </p:nvSpPr>
         <p:spPr>
           <a:xfrm>
-            <a:off x="1127236" y="2348880"/>
+            <a:off x="1127236" y="1761660"/>
             <a:ext cx="5616624" cy="3416320"/>
           </a:xfrm>
           <a:prstGeom prst="rect">
@@ -18963,8 +18972,8 @@
         </p:nvSpPr>
         <p:spPr>
           <a:xfrm>
-            <a:off x="971600" y="692696"/>
-            <a:ext cx="7024744" cy="1143000"/>
+            <a:off x="827584" y="123478"/>
+            <a:ext cx="7024744" cy="857250"/>
           </a:xfrm>
         </p:spPr>
         <p:txBody>
@@ -18991,8 +19000,8 @@
         </p:nvSpPr>
         <p:spPr>
           <a:xfrm>
-            <a:off x="899592" y="1916832"/>
-            <a:ext cx="6777317" cy="3508977"/>
+            <a:off x="4788025" y="555527"/>
+            <a:ext cx="3600400" cy="720080"/>
           </a:xfrm>
         </p:spPr>
         <p:txBody>
@@ -19015,7 +19024,7 @@
         </p:nvSpPr>
         <p:spPr>
           <a:xfrm>
-            <a:off x="1259632" y="2348880"/>
+            <a:off x="1043608" y="987574"/>
             <a:ext cx="6984776" cy="3970318"/>
           </a:xfrm>
           <a:prstGeom prst="rect">
@@ -19208,8 +19217,8 @@
         </p:nvSpPr>
         <p:spPr>
           <a:xfrm>
-            <a:off x="1043490" y="1027664"/>
-            <a:ext cx="6480838" cy="3337440"/>
+            <a:off x="1043490" y="770748"/>
+            <a:ext cx="6480838" cy="2503080"/>
           </a:xfrm>
         </p:spPr>
         <p:txBody>
@@ -19275,8 +19284,8 @@
         </p:nvSpPr>
         <p:spPr>
           <a:xfrm>
-            <a:off x="1331640" y="3068960"/>
-            <a:ext cx="6777317" cy="3508977"/>
+            <a:off x="1331640" y="2301720"/>
+            <a:ext cx="6777317" cy="2631733"/>
           </a:xfrm>
         </p:spPr>
         <p:txBody>
@@ -19359,7 +19368,9 @@
         </p:nvSpPr>
         <p:spPr/>
         <p:txBody>
-          <a:bodyPr/>
+          <a:bodyPr>
+            <a:normAutofit lnSpcReduction="10000"/>
+          </a:bodyPr>
           <a:lstStyle/>
           <a:p>
             <a:r>
@@ -19427,8 +19438,8 @@
         </p:nvSpPr>
         <p:spPr>
           <a:xfrm>
-            <a:off x="1043490" y="1027664"/>
-            <a:ext cx="7024744" cy="1143000"/>
+            <a:off x="1043490" y="770748"/>
+            <a:ext cx="7024744" cy="857250"/>
           </a:xfrm>
         </p:spPr>
         <p:txBody>
@@ -19441,11 +19452,7 @@
             </a:r>
             <a:r>
               <a:rPr lang="zh-CN" altLang="en-US" dirty="0" smtClean="0"/>
-              <a:t>各种</a:t>
-            </a:r>
-            <a:r>
-              <a:rPr lang="zh-CN" altLang="en-US" dirty="0" smtClean="0"/>
-              <a:t>返回结果</a:t>
+              <a:t>各种返回结果</a:t>
             </a:r>
             <a:endParaRPr lang="zh-CN" altLang="en-US" dirty="0"/>
           </a:p>
@@ -19529,8 +19536,8 @@
         </p:blipFill>
         <p:spPr bwMode="auto">
           <a:xfrm>
-            <a:off x="1187624" y="2276872"/>
-            <a:ext cx="3115436" cy="3508375"/>
+            <a:off x="1187624" y="1707655"/>
+            <a:ext cx="3115436" cy="2631281"/>
           </a:xfrm>
           <a:prstGeom prst="rect">
             <a:avLst/>
@@ -19602,8 +19609,8 @@
         </p:nvSpPr>
         <p:spPr>
           <a:xfrm>
-            <a:off x="971600" y="332656"/>
-            <a:ext cx="7024744" cy="1143000"/>
+            <a:off x="971600" y="249492"/>
+            <a:ext cx="7024744" cy="857250"/>
           </a:xfrm>
         </p:spPr>
         <p:txBody>
@@ -19641,8 +19648,8 @@
         </p:blipFill>
         <p:spPr bwMode="auto">
           <a:xfrm>
-            <a:off x="626840" y="1628800"/>
-            <a:ext cx="4143375" cy="4391025"/>
+            <a:off x="626841" y="1221600"/>
+            <a:ext cx="4143375" cy="3293269"/>
           </a:xfrm>
           <a:prstGeom prst="rect">
             <a:avLst/>
@@ -19693,8 +19700,8 @@
         </p:blipFill>
         <p:spPr bwMode="auto">
           <a:xfrm>
-            <a:off x="4067944" y="1737359"/>
-            <a:ext cx="4057650" cy="4282465"/>
+            <a:off x="4067944" y="1303020"/>
+            <a:ext cx="4057650" cy="3211849"/>
           </a:xfrm>
           <a:prstGeom prst="rect">
             <a:avLst/>
@@ -19784,8 +19791,8 @@
         </p:blipFill>
         <p:spPr bwMode="auto">
           <a:xfrm>
-            <a:off x="1115615" y="1268760"/>
-            <a:ext cx="4581525" cy="3848100"/>
+            <a:off x="1115615" y="951570"/>
+            <a:ext cx="4581525" cy="2886075"/>
           </a:xfrm>
           <a:prstGeom prst="rect">
             <a:avLst/>
@@ -19875,8 +19882,8 @@
         </p:blipFill>
         <p:spPr bwMode="auto">
           <a:xfrm>
-            <a:off x="628659" y="1243572"/>
-            <a:ext cx="7957721" cy="4752528"/>
+            <a:off x="628659" y="932679"/>
+            <a:ext cx="7957721" cy="3564396"/>
           </a:xfrm>
           <a:prstGeom prst="rect">
             <a:avLst/>
@@ -19901,7 +19908,7 @@
         </p:nvSpPr>
         <p:spPr>
           <a:xfrm>
-            <a:off x="1043607" y="476672"/>
+            <a:off x="1043607" y="357505"/>
             <a:ext cx="3563911" cy="584775"/>
           </a:xfrm>
           <a:prstGeom prst="rect">
@@ -20077,8 +20084,8 @@
         </p:nvSpPr>
         <p:spPr>
           <a:xfrm>
-            <a:off x="971600" y="260648"/>
-            <a:ext cx="7024744" cy="1143000"/>
+            <a:off x="971600" y="195486"/>
+            <a:ext cx="7024744" cy="857250"/>
           </a:xfrm>
         </p:spPr>
         <p:txBody>
@@ -20091,11 +20098,7 @@
             </a:r>
             <a:r>
               <a:rPr lang="zh-CN" altLang="en-US" dirty="0" smtClean="0"/>
-              <a:t>的</a:t>
-            </a:r>
-            <a:r>
-              <a:rPr lang="zh-CN" altLang="en-US" dirty="0" smtClean="0"/>
-              <a:t>使用</a:t>
+              <a:t>的使用</a:t>
             </a:r>
             <a:endParaRPr lang="zh-CN" altLang="en-US" dirty="0"/>
           </a:p>
@@ -20113,12 +20116,14 @@
         </p:nvSpPr>
         <p:spPr>
           <a:xfrm>
-            <a:off x="1043608" y="1412776"/>
-            <a:ext cx="7272808" cy="5184576"/>
+            <a:off x="1043608" y="1012106"/>
+            <a:ext cx="7272808" cy="3888432"/>
           </a:xfrm>
         </p:spPr>
         <p:txBody>
-          <a:bodyPr/>
+          <a:bodyPr>
+            <a:normAutofit lnSpcReduction="10000"/>
+          </a:bodyPr>
           <a:lstStyle/>
           <a:p>
             <a:r>
@@ -20291,8 +20296,8 @@
         </p:nvSpPr>
         <p:spPr bwMode="auto">
           <a:xfrm>
-            <a:off x="1582738" y="3941763"/>
-            <a:ext cx="9144000" cy="0"/>
+            <a:off x="1582738" y="2633157"/>
+            <a:ext cx="184731" cy="646331"/>
           </a:xfrm>
           <a:prstGeom prst="rect">
             <a:avLst/>
